--- a/Tests/Synchrobench/Graphs/Graphs.pptx
+++ b/Tests/Synchrobench/Graphs/Graphs.pptx
@@ -250,7 +250,7 @@
           <a:p>
             <a:fld id="{E3753A13-5F20-44CF-BCA7-D073D1BEED2F}" type="datetimeFigureOut">
               <a:rPr lang="en-US" smtClean="0"/>
-              <a:t>26/8/2017</a:t>
+              <a:t>30/8/2017</a:t>
             </a:fld>
             <a:endParaRPr lang="en-US"/>
           </a:p>
@@ -420,7 +420,7 @@
           <a:p>
             <a:fld id="{E3753A13-5F20-44CF-BCA7-D073D1BEED2F}" type="datetimeFigureOut">
               <a:rPr lang="en-US" smtClean="0"/>
-              <a:t>26/8/2017</a:t>
+              <a:t>30/8/2017</a:t>
             </a:fld>
             <a:endParaRPr lang="en-US"/>
           </a:p>
@@ -600,7 +600,7 @@
           <a:p>
             <a:fld id="{E3753A13-5F20-44CF-BCA7-D073D1BEED2F}" type="datetimeFigureOut">
               <a:rPr lang="en-US" smtClean="0"/>
-              <a:t>26/8/2017</a:t>
+              <a:t>30/8/2017</a:t>
             </a:fld>
             <a:endParaRPr lang="en-US"/>
           </a:p>
@@ -770,7 +770,7 @@
           <a:p>
             <a:fld id="{E3753A13-5F20-44CF-BCA7-D073D1BEED2F}" type="datetimeFigureOut">
               <a:rPr lang="en-US" smtClean="0"/>
-              <a:t>26/8/2017</a:t>
+              <a:t>30/8/2017</a:t>
             </a:fld>
             <a:endParaRPr lang="en-US"/>
           </a:p>
@@ -1014,7 +1014,7 @@
           <a:p>
             <a:fld id="{E3753A13-5F20-44CF-BCA7-D073D1BEED2F}" type="datetimeFigureOut">
               <a:rPr lang="en-US" smtClean="0"/>
-              <a:t>26/8/2017</a:t>
+              <a:t>30/8/2017</a:t>
             </a:fld>
             <a:endParaRPr lang="en-US"/>
           </a:p>
@@ -1246,7 +1246,7 @@
           <a:p>
             <a:fld id="{E3753A13-5F20-44CF-BCA7-D073D1BEED2F}" type="datetimeFigureOut">
               <a:rPr lang="en-US" smtClean="0"/>
-              <a:t>26/8/2017</a:t>
+              <a:t>30/8/2017</a:t>
             </a:fld>
             <a:endParaRPr lang="en-US"/>
           </a:p>
@@ -1613,7 +1613,7 @@
           <a:p>
             <a:fld id="{E3753A13-5F20-44CF-BCA7-D073D1BEED2F}" type="datetimeFigureOut">
               <a:rPr lang="en-US" smtClean="0"/>
-              <a:t>26/8/2017</a:t>
+              <a:t>30/8/2017</a:t>
             </a:fld>
             <a:endParaRPr lang="en-US"/>
           </a:p>
@@ -1731,7 +1731,7 @@
           <a:p>
             <a:fld id="{E3753A13-5F20-44CF-BCA7-D073D1BEED2F}" type="datetimeFigureOut">
               <a:rPr lang="en-US" smtClean="0"/>
-              <a:t>26/8/2017</a:t>
+              <a:t>30/8/2017</a:t>
             </a:fld>
             <a:endParaRPr lang="en-US"/>
           </a:p>
@@ -1826,7 +1826,7 @@
           <a:p>
             <a:fld id="{E3753A13-5F20-44CF-BCA7-D073D1BEED2F}" type="datetimeFigureOut">
               <a:rPr lang="en-US" smtClean="0"/>
-              <a:t>26/8/2017</a:t>
+              <a:t>30/8/2017</a:t>
             </a:fld>
             <a:endParaRPr lang="en-US"/>
           </a:p>
@@ -2103,7 +2103,7 @@
           <a:p>
             <a:fld id="{E3753A13-5F20-44CF-BCA7-D073D1BEED2F}" type="datetimeFigureOut">
               <a:rPr lang="en-US" smtClean="0"/>
-              <a:t>26/8/2017</a:t>
+              <a:t>30/8/2017</a:t>
             </a:fld>
             <a:endParaRPr lang="en-US"/>
           </a:p>
@@ -2360,7 +2360,7 @@
           <a:p>
             <a:fld id="{E3753A13-5F20-44CF-BCA7-D073D1BEED2F}" type="datetimeFigureOut">
               <a:rPr lang="en-US" smtClean="0"/>
-              <a:t>26/8/2017</a:t>
+              <a:t>30/8/2017</a:t>
             </a:fld>
             <a:endParaRPr lang="en-US"/>
           </a:p>
@@ -2573,7 +2573,7 @@
           <a:p>
             <a:fld id="{E3753A13-5F20-44CF-BCA7-D073D1BEED2F}" type="datetimeFigureOut">
               <a:rPr lang="en-US" smtClean="0"/>
-              <a:t>26/8/2017</a:t>
+              <a:t>30/8/2017</a:t>
             </a:fld>
             <a:endParaRPr lang="en-US"/>
           </a:p>
@@ -3097,7 +3097,13 @@
                                   <a:rPr lang="en-US" sz="1100" smtClean="0">
                                     <a:latin typeface="Cambria Math" panose="02040503050406030204" pitchFamily="18" charset="0"/>
                                   </a:rPr>
-                                  <m:t>0%</m:t>
+                                  <m:t>0</m:t>
+                                </m:r>
+                                <m:r>
+                                  <a:rPr lang="en-US" sz="1100" smtClean="0">
+                                    <a:latin typeface="Cambria Math" panose="02040503050406030204" pitchFamily="18" charset="0"/>
+                                  </a:rPr>
+                                  <m:t>%</m:t>
                                 </m:r>
                               </m:oMath>
                             </m:oMathPara>
@@ -3173,7 +3179,13 @@
                                   <a:rPr lang="en-US" sz="1100" smtClean="0">
                                     <a:latin typeface="Cambria Math" panose="02040503050406030204" pitchFamily="18" charset="0"/>
                                   </a:rPr>
-                                  <m:t>0%</m:t>
+                                  <m:t>0</m:t>
+                                </m:r>
+                                <m:r>
+                                  <a:rPr lang="en-US" sz="1100" smtClean="0">
+                                    <a:latin typeface="Cambria Math" panose="02040503050406030204" pitchFamily="18" charset="0"/>
+                                  </a:rPr>
+                                  <m:t>%</m:t>
                                 </m:r>
                               </m:oMath>
                             </m:oMathPara>
@@ -3249,7 +3261,13 @@
                                   <a:rPr lang="en-US" sz="1100" i="1" dirty="0" smtClean="0">
                                     <a:latin typeface="Cambria Math" panose="02040503050406030204" pitchFamily="18" charset="0"/>
                                   </a:rPr>
-                                  <m:t>0%</m:t>
+                                  <m:t>0</m:t>
+                                </m:r>
+                                <m:r>
+                                  <a:rPr lang="en-US" sz="1100" i="1" dirty="0" smtClean="0">
+                                    <a:latin typeface="Cambria Math" panose="02040503050406030204" pitchFamily="18" charset="0"/>
+                                  </a:rPr>
+                                  <m:t>%</m:t>
                                 </m:r>
                               </m:oMath>
                             </m:oMathPara>
@@ -4153,7 +4171,13 @@
                                   <a:rPr lang="en-US" sz="1100" smtClean="0">
                                     <a:latin typeface="Cambria Math" panose="02040503050406030204" pitchFamily="18" charset="0"/>
                                   </a:rPr>
-                                  <m:t>0%</m:t>
+                                  <m:t>0</m:t>
+                                </m:r>
+                                <m:r>
+                                  <a:rPr lang="en-US" sz="1100" smtClean="0">
+                                    <a:latin typeface="Cambria Math" panose="02040503050406030204" pitchFamily="18" charset="0"/>
+                                  </a:rPr>
+                                  <m:t>%</m:t>
                                 </m:r>
                               </m:oMath>
                             </m:oMathPara>
@@ -4229,7 +4253,13 @@
                                   <a:rPr lang="en-US" sz="1100" i="1" dirty="0" smtClean="0">
                                     <a:latin typeface="Cambria Math" panose="02040503050406030204" pitchFamily="18" charset="0"/>
                                   </a:rPr>
-                                  <m:t>50%</m:t>
+                                  <m:t>50</m:t>
+                                </m:r>
+                                <m:r>
+                                  <a:rPr lang="en-US" sz="1100" i="1" dirty="0" smtClean="0">
+                                    <a:latin typeface="Cambria Math" panose="02040503050406030204" pitchFamily="18" charset="0"/>
+                                  </a:rPr>
+                                  <m:t>%</m:t>
                                 </m:r>
                               </m:oMath>
                             </m:oMathPara>
@@ -4793,66 +4823,6 @@
           </a:prstGeom>
         </p:spPr>
       </p:pic>
-      <p:cxnSp>
-        <p:nvCxnSpPr>
-          <p:cNvPr id="20" name="Straight Connector 19"/>
-          <p:cNvCxnSpPr/>
-          <p:nvPr/>
-        </p:nvCxnSpPr>
-        <p:spPr>
-          <a:xfrm>
-            <a:off x="1914525" y="2286000"/>
-            <a:ext cx="4267200" cy="0"/>
-          </a:xfrm>
-          <a:prstGeom prst="line">
-            <a:avLst/>
-          </a:prstGeom>
-        </p:spPr>
-        <p:style>
-          <a:lnRef idx="1">
-            <a:schemeClr val="accent1"/>
-          </a:lnRef>
-          <a:fillRef idx="0">
-            <a:schemeClr val="accent1"/>
-          </a:fillRef>
-          <a:effectRef idx="0">
-            <a:schemeClr val="accent1"/>
-          </a:effectRef>
-          <a:fontRef idx="minor">
-            <a:schemeClr val="tx1"/>
-          </a:fontRef>
-        </p:style>
-      </p:cxnSp>
-      <p:cxnSp>
-        <p:nvCxnSpPr>
-          <p:cNvPr id="21" name="Straight Connector 20"/>
-          <p:cNvCxnSpPr/>
-          <p:nvPr/>
-        </p:nvCxnSpPr>
-        <p:spPr>
-          <a:xfrm>
-            <a:off x="1838325" y="1014413"/>
-            <a:ext cx="4267200" cy="0"/>
-          </a:xfrm>
-          <a:prstGeom prst="line">
-            <a:avLst/>
-          </a:prstGeom>
-        </p:spPr>
-        <p:style>
-          <a:lnRef idx="1">
-            <a:schemeClr val="accent1"/>
-          </a:lnRef>
-          <a:fillRef idx="0">
-            <a:schemeClr val="accent1"/>
-          </a:fillRef>
-          <a:effectRef idx="0">
-            <a:schemeClr val="accent1"/>
-          </a:effectRef>
-          <a:fontRef idx="minor">
-            <a:schemeClr val="tx1"/>
-          </a:fontRef>
-        </p:style>
-      </p:cxnSp>
       <p:pic>
         <p:nvPicPr>
           <p:cNvPr id="22" name="Picture 21"/>
@@ -4922,66 +4892,6 @@
           </a:p>
         </p:txBody>
       </p:sp>
-      <p:cxnSp>
-        <p:nvCxnSpPr>
-          <p:cNvPr id="25" name="Straight Connector 24"/>
-          <p:cNvCxnSpPr/>
-          <p:nvPr/>
-        </p:nvCxnSpPr>
-        <p:spPr>
-          <a:xfrm>
-            <a:off x="1999533" y="4448169"/>
-            <a:ext cx="4267200" cy="0"/>
-          </a:xfrm>
-          <a:prstGeom prst="line">
-            <a:avLst/>
-          </a:prstGeom>
-        </p:spPr>
-        <p:style>
-          <a:lnRef idx="1">
-            <a:schemeClr val="accent1"/>
-          </a:lnRef>
-          <a:fillRef idx="0">
-            <a:schemeClr val="accent1"/>
-          </a:fillRef>
-          <a:effectRef idx="0">
-            <a:schemeClr val="accent1"/>
-          </a:effectRef>
-          <a:fontRef idx="minor">
-            <a:schemeClr val="tx1"/>
-          </a:fontRef>
-        </p:style>
-      </p:cxnSp>
-      <p:cxnSp>
-        <p:nvCxnSpPr>
-          <p:cNvPr id="26" name="Straight Connector 25"/>
-          <p:cNvCxnSpPr/>
-          <p:nvPr/>
-        </p:nvCxnSpPr>
-        <p:spPr>
-          <a:xfrm>
-            <a:off x="1923333" y="3181345"/>
-            <a:ext cx="4267200" cy="0"/>
-          </a:xfrm>
-          <a:prstGeom prst="line">
-            <a:avLst/>
-          </a:prstGeom>
-        </p:spPr>
-        <p:style>
-          <a:lnRef idx="1">
-            <a:schemeClr val="accent1"/>
-          </a:lnRef>
-          <a:fillRef idx="0">
-            <a:schemeClr val="accent1"/>
-          </a:fillRef>
-          <a:effectRef idx="0">
-            <a:schemeClr val="accent1"/>
-          </a:effectRef>
-          <a:fontRef idx="minor">
-            <a:schemeClr val="tx1"/>
-          </a:fontRef>
-        </p:style>
-      </p:cxnSp>
       <p:pic>
         <p:nvPicPr>
           <p:cNvPr id="29" name="Picture 28"/>
@@ -5080,66 +4990,6 @@
           </a:p>
         </p:txBody>
       </p:sp>
-      <p:cxnSp>
-        <p:nvCxnSpPr>
-          <p:cNvPr id="32" name="Straight Connector 31"/>
-          <p:cNvCxnSpPr/>
-          <p:nvPr/>
-        </p:nvCxnSpPr>
-        <p:spPr>
-          <a:xfrm>
-            <a:off x="2179373" y="6529385"/>
-            <a:ext cx="4267200" cy="0"/>
-          </a:xfrm>
-          <a:prstGeom prst="line">
-            <a:avLst/>
-          </a:prstGeom>
-        </p:spPr>
-        <p:style>
-          <a:lnRef idx="1">
-            <a:schemeClr val="accent1"/>
-          </a:lnRef>
-          <a:fillRef idx="0">
-            <a:schemeClr val="accent1"/>
-          </a:fillRef>
-          <a:effectRef idx="0">
-            <a:schemeClr val="accent1"/>
-          </a:effectRef>
-          <a:fontRef idx="minor">
-            <a:schemeClr val="tx1"/>
-          </a:fontRef>
-        </p:style>
-      </p:cxnSp>
-      <p:cxnSp>
-        <p:nvCxnSpPr>
-          <p:cNvPr id="33" name="Straight Connector 32"/>
-          <p:cNvCxnSpPr/>
-          <p:nvPr/>
-        </p:nvCxnSpPr>
-        <p:spPr>
-          <a:xfrm>
-            <a:off x="2103173" y="5472119"/>
-            <a:ext cx="4267200" cy="0"/>
-          </a:xfrm>
-          <a:prstGeom prst="line">
-            <a:avLst/>
-          </a:prstGeom>
-        </p:spPr>
-        <p:style>
-          <a:lnRef idx="1">
-            <a:schemeClr val="accent1"/>
-          </a:lnRef>
-          <a:fillRef idx="0">
-            <a:schemeClr val="accent1"/>
-          </a:fillRef>
-          <a:effectRef idx="0">
-            <a:schemeClr val="accent1"/>
-          </a:effectRef>
-          <a:fontRef idx="minor">
-            <a:schemeClr val="tx1"/>
-          </a:fontRef>
-        </p:style>
-      </p:cxnSp>
     </p:spTree>
     <p:extLst>
       <p:ext uri="{BB962C8B-B14F-4D97-AF65-F5344CB8AC3E}">
@@ -5378,7 +5228,13 @@
                                   <a:rPr lang="en-US" sz="1100" smtClean="0">
                                     <a:latin typeface="Cambria Math" panose="02040503050406030204" pitchFamily="18" charset="0"/>
                                   </a:rPr>
-                                  <m:t>0%</m:t>
+                                  <m:t>0</m:t>
+                                </m:r>
+                                <m:r>
+                                  <a:rPr lang="en-US" sz="1100" smtClean="0">
+                                    <a:latin typeface="Cambria Math" panose="02040503050406030204" pitchFamily="18" charset="0"/>
+                                  </a:rPr>
+                                  <m:t>%</m:t>
                                 </m:r>
                               </m:oMath>
                             </m:oMathPara>
@@ -5454,7 +5310,13 @@
                                   <a:rPr lang="en-US" sz="1100" i="1" dirty="0" smtClean="0">
                                     <a:latin typeface="Cambria Math" panose="02040503050406030204" pitchFamily="18" charset="0"/>
                                   </a:rPr>
-                                  <m:t>0%</m:t>
+                                  <m:t>0</m:t>
+                                </m:r>
+                                <m:r>
+                                  <a:rPr lang="en-US" sz="1100" i="1" dirty="0" smtClean="0">
+                                    <a:latin typeface="Cambria Math" panose="02040503050406030204" pitchFamily="18" charset="0"/>
+                                  </a:rPr>
+                                  <m:t>%</m:t>
                                 </m:r>
                               </m:oMath>
                             </m:oMathPara>
@@ -6073,66 +5935,6 @@
           </a:prstGeom>
         </p:spPr>
       </p:pic>
-      <p:cxnSp>
-        <p:nvCxnSpPr>
-          <p:cNvPr id="12" name="Straight Connector 11"/>
-          <p:cNvCxnSpPr/>
-          <p:nvPr/>
-        </p:nvCxnSpPr>
-        <p:spPr>
-          <a:xfrm>
-            <a:off x="1838325" y="1090621"/>
-            <a:ext cx="4267200" cy="0"/>
-          </a:xfrm>
-          <a:prstGeom prst="line">
-            <a:avLst/>
-          </a:prstGeom>
-        </p:spPr>
-        <p:style>
-          <a:lnRef idx="1">
-            <a:schemeClr val="accent1"/>
-          </a:lnRef>
-          <a:fillRef idx="0">
-            <a:schemeClr val="accent1"/>
-          </a:fillRef>
-          <a:effectRef idx="0">
-            <a:schemeClr val="accent1"/>
-          </a:effectRef>
-          <a:fontRef idx="minor">
-            <a:schemeClr val="tx1"/>
-          </a:fontRef>
-        </p:style>
-      </p:cxnSp>
-      <p:cxnSp>
-        <p:nvCxnSpPr>
-          <p:cNvPr id="11" name="Straight Connector 10"/>
-          <p:cNvCxnSpPr/>
-          <p:nvPr/>
-        </p:nvCxnSpPr>
-        <p:spPr>
-          <a:xfrm>
-            <a:off x="1914525" y="2209792"/>
-            <a:ext cx="4267200" cy="0"/>
-          </a:xfrm>
-          <a:prstGeom prst="line">
-            <a:avLst/>
-          </a:prstGeom>
-        </p:spPr>
-        <p:style>
-          <a:lnRef idx="1">
-            <a:schemeClr val="accent1"/>
-          </a:lnRef>
-          <a:fillRef idx="0">
-            <a:schemeClr val="accent1"/>
-          </a:fillRef>
-          <a:effectRef idx="0">
-            <a:schemeClr val="accent1"/>
-          </a:effectRef>
-          <a:fontRef idx="minor">
-            <a:schemeClr val="tx1"/>
-          </a:fontRef>
-        </p:style>
-      </p:cxnSp>
       <p:pic>
         <p:nvPicPr>
           <p:cNvPr id="28" name="Picture 27"/>
@@ -6223,66 +6025,6 @@
           </p:spPr>
         </p:pic>
       </p:grpSp>
-      <p:cxnSp>
-        <p:nvCxnSpPr>
-          <p:cNvPr id="15" name="Straight Connector 14"/>
-          <p:cNvCxnSpPr/>
-          <p:nvPr/>
-        </p:nvCxnSpPr>
-        <p:spPr>
-          <a:xfrm>
-            <a:off x="1999533" y="4529135"/>
-            <a:ext cx="4267200" cy="0"/>
-          </a:xfrm>
-          <a:prstGeom prst="line">
-            <a:avLst/>
-          </a:prstGeom>
-        </p:spPr>
-        <p:style>
-          <a:lnRef idx="1">
-            <a:schemeClr val="accent1"/>
-          </a:lnRef>
-          <a:fillRef idx="0">
-            <a:schemeClr val="accent1"/>
-          </a:fillRef>
-          <a:effectRef idx="0">
-            <a:schemeClr val="accent1"/>
-          </a:effectRef>
-          <a:fontRef idx="minor">
-            <a:schemeClr val="tx1"/>
-          </a:fontRef>
-        </p:style>
-      </p:cxnSp>
-      <p:cxnSp>
-        <p:nvCxnSpPr>
-          <p:cNvPr id="16" name="Straight Connector 15"/>
-          <p:cNvCxnSpPr/>
-          <p:nvPr/>
-        </p:nvCxnSpPr>
-        <p:spPr>
-          <a:xfrm>
-            <a:off x="1923333" y="3352804"/>
-            <a:ext cx="4267200" cy="0"/>
-          </a:xfrm>
-          <a:prstGeom prst="line">
-            <a:avLst/>
-          </a:prstGeom>
-        </p:spPr>
-        <p:style>
-          <a:lnRef idx="1">
-            <a:schemeClr val="accent1"/>
-          </a:lnRef>
-          <a:fillRef idx="0">
-            <a:schemeClr val="accent1"/>
-          </a:fillRef>
-          <a:effectRef idx="0">
-            <a:schemeClr val="accent1"/>
-          </a:effectRef>
-          <a:fontRef idx="minor">
-            <a:schemeClr val="tx1"/>
-          </a:fontRef>
-        </p:style>
-      </p:cxnSp>
       <p:pic>
         <p:nvPicPr>
           <p:cNvPr id="31" name="Picture 30"/>
@@ -6374,66 +6116,6 @@
           </p:spPr>
         </p:pic>
       </p:grpSp>
-      <p:cxnSp>
-        <p:nvCxnSpPr>
-          <p:cNvPr id="20" name="Straight Connector 19"/>
-          <p:cNvCxnSpPr/>
-          <p:nvPr/>
-        </p:nvCxnSpPr>
-        <p:spPr>
-          <a:xfrm>
-            <a:off x="2179373" y="6580185"/>
-            <a:ext cx="4267200" cy="0"/>
-          </a:xfrm>
-          <a:prstGeom prst="line">
-            <a:avLst/>
-          </a:prstGeom>
-        </p:spPr>
-        <p:style>
-          <a:lnRef idx="1">
-            <a:schemeClr val="accent1"/>
-          </a:lnRef>
-          <a:fillRef idx="0">
-            <a:schemeClr val="accent1"/>
-          </a:fillRef>
-          <a:effectRef idx="0">
-            <a:schemeClr val="accent1"/>
-          </a:effectRef>
-          <a:fontRef idx="minor">
-            <a:schemeClr val="tx1"/>
-          </a:fontRef>
-        </p:style>
-      </p:cxnSp>
-      <p:cxnSp>
-        <p:nvCxnSpPr>
-          <p:cNvPr id="21" name="Straight Connector 20"/>
-          <p:cNvCxnSpPr/>
-          <p:nvPr/>
-        </p:nvCxnSpPr>
-        <p:spPr>
-          <a:xfrm>
-            <a:off x="2098973" y="5274376"/>
-            <a:ext cx="4267200" cy="0"/>
-          </a:xfrm>
-          <a:prstGeom prst="line">
-            <a:avLst/>
-          </a:prstGeom>
-        </p:spPr>
-        <p:style>
-          <a:lnRef idx="1">
-            <a:schemeClr val="accent1"/>
-          </a:lnRef>
-          <a:fillRef idx="0">
-            <a:schemeClr val="accent1"/>
-          </a:fillRef>
-          <a:effectRef idx="0">
-            <a:schemeClr val="accent1"/>
-          </a:effectRef>
-          <a:fontRef idx="minor">
-            <a:schemeClr val="tx1"/>
-          </a:fontRef>
-        </p:style>
-      </p:cxnSp>
     </p:spTree>
     <p:extLst>
       <p:ext uri="{BB962C8B-B14F-4D97-AF65-F5344CB8AC3E}">
@@ -6471,8 +6153,8 @@
           <a:chExt cx="0" cy="0"/>
         </a:xfrm>
       </p:grpSpPr>
-      <mc:AlternateContent xmlns:mc="http://schemas.openxmlformats.org/markup-compatibility/2006">
-        <mc:Choice xmlns:a14="http://schemas.microsoft.com/office/drawing/2010/main" Requires="a14">
+      <mc:AlternateContent xmlns:mc="http://schemas.openxmlformats.org/markup-compatibility/2006" xmlns:a14="http://schemas.microsoft.com/office/drawing/2010/main">
+        <mc:Choice Requires="a14">
           <p:graphicFrame>
             <p:nvGraphicFramePr>
               <p:cNvPr id="4" name="Table 3"/>
@@ -6678,7 +6360,13 @@
                                   <a:rPr lang="en-US" sz="1100" smtClean="0">
                                     <a:latin typeface="Cambria Math" panose="02040503050406030204" pitchFamily="18" charset="0"/>
                                   </a:rPr>
-                                  <m:t>0%</m:t>
+                                  <m:t>0</m:t>
+                                </m:r>
+                                <m:r>
+                                  <a:rPr lang="en-US" sz="1100" smtClean="0">
+                                    <a:latin typeface="Cambria Math" panose="02040503050406030204" pitchFamily="18" charset="0"/>
+                                  </a:rPr>
+                                  <m:t>%</m:t>
                                 </m:r>
                               </m:oMath>
                             </m:oMathPara>
@@ -6760,7 +6448,13 @@
                                   <a:rPr lang="en-US" sz="1100" i="1" dirty="0" smtClean="0">
                                     <a:latin typeface="Cambria Math" panose="02040503050406030204" pitchFamily="18" charset="0"/>
                                   </a:rPr>
-                                  <m:t>0%</m:t>
+                                  <m:t>0</m:t>
+                                </m:r>
+                                <m:r>
+                                  <a:rPr lang="en-US" sz="1100" i="1" dirty="0" smtClean="0">
+                                    <a:latin typeface="Cambria Math" panose="02040503050406030204" pitchFamily="18" charset="0"/>
+                                  </a:rPr>
+                                  <m:t>%</m:t>
                                 </m:r>
                               </m:oMath>
                             </m:oMathPara>
@@ -6824,7 +6518,7 @@
             </a:graphic>
           </p:graphicFrame>
         </mc:Choice>
-        <mc:Fallback>
+        <mc:Fallback xmlns="">
           <p:graphicFrame>
             <p:nvGraphicFramePr>
               <p:cNvPr id="4" name="Table 3"/>
@@ -7379,66 +7073,6 @@
           </a:prstGeom>
         </p:spPr>
       </p:pic>
-      <p:cxnSp>
-        <p:nvCxnSpPr>
-          <p:cNvPr id="12" name="Straight Connector 11"/>
-          <p:cNvCxnSpPr/>
-          <p:nvPr/>
-        </p:nvCxnSpPr>
-        <p:spPr>
-          <a:xfrm>
-            <a:off x="1839829" y="2036771"/>
-            <a:ext cx="4267200" cy="0"/>
-          </a:xfrm>
-          <a:prstGeom prst="line">
-            <a:avLst/>
-          </a:prstGeom>
-        </p:spPr>
-        <p:style>
-          <a:lnRef idx="1">
-            <a:schemeClr val="accent1"/>
-          </a:lnRef>
-          <a:fillRef idx="0">
-            <a:schemeClr val="accent1"/>
-          </a:fillRef>
-          <a:effectRef idx="0">
-            <a:schemeClr val="accent1"/>
-          </a:effectRef>
-          <a:fontRef idx="minor">
-            <a:schemeClr val="tx1"/>
-          </a:fontRef>
-        </p:style>
-      </p:cxnSp>
-      <p:cxnSp>
-        <p:nvCxnSpPr>
-          <p:cNvPr id="11" name="Straight Connector 10"/>
-          <p:cNvCxnSpPr/>
-          <p:nvPr/>
-        </p:nvCxnSpPr>
-        <p:spPr>
-          <a:xfrm>
-            <a:off x="2001037" y="3271830"/>
-            <a:ext cx="4267200" cy="0"/>
-          </a:xfrm>
-          <a:prstGeom prst="line">
-            <a:avLst/>
-          </a:prstGeom>
-        </p:spPr>
-        <p:style>
-          <a:lnRef idx="1">
-            <a:schemeClr val="accent1"/>
-          </a:lnRef>
-          <a:fillRef idx="0">
-            <a:schemeClr val="accent1"/>
-          </a:fillRef>
-          <a:effectRef idx="0">
-            <a:schemeClr val="accent1"/>
-          </a:effectRef>
-          <a:fontRef idx="minor">
-            <a:schemeClr val="tx1"/>
-          </a:fontRef>
-        </p:style>
-      </p:cxnSp>
       <p:grpSp>
         <p:nvGrpSpPr>
           <p:cNvPr id="10" name="Group 9"/>
@@ -7529,66 +7163,6 @@
           </a:prstGeom>
         </p:spPr>
       </p:pic>
-      <p:cxnSp>
-        <p:nvCxnSpPr>
-          <p:cNvPr id="15" name="Straight Connector 14"/>
-          <p:cNvCxnSpPr/>
-          <p:nvPr/>
-        </p:nvCxnSpPr>
-        <p:spPr>
-          <a:xfrm>
-            <a:off x="1999533" y="6296009"/>
-            <a:ext cx="4267200" cy="0"/>
-          </a:xfrm>
-          <a:prstGeom prst="line">
-            <a:avLst/>
-          </a:prstGeom>
-        </p:spPr>
-        <p:style>
-          <a:lnRef idx="1">
-            <a:schemeClr val="accent1"/>
-          </a:lnRef>
-          <a:fillRef idx="0">
-            <a:schemeClr val="accent1"/>
-          </a:fillRef>
-          <a:effectRef idx="0">
-            <a:schemeClr val="accent1"/>
-          </a:effectRef>
-          <a:fontRef idx="minor">
-            <a:schemeClr val="tx1"/>
-          </a:fontRef>
-        </p:style>
-      </p:cxnSp>
-      <p:cxnSp>
-        <p:nvCxnSpPr>
-          <p:cNvPr id="16" name="Straight Connector 15"/>
-          <p:cNvCxnSpPr/>
-          <p:nvPr/>
-        </p:nvCxnSpPr>
-        <p:spPr>
-          <a:xfrm>
-            <a:off x="1923333" y="5143499"/>
-            <a:ext cx="4267200" cy="0"/>
-          </a:xfrm>
-          <a:prstGeom prst="line">
-            <a:avLst/>
-          </a:prstGeom>
-        </p:spPr>
-        <p:style>
-          <a:lnRef idx="1">
-            <a:schemeClr val="accent1"/>
-          </a:lnRef>
-          <a:fillRef idx="0">
-            <a:schemeClr val="accent1"/>
-          </a:fillRef>
-          <a:effectRef idx="0">
-            <a:schemeClr val="accent1"/>
-          </a:effectRef>
-          <a:fontRef idx="minor">
-            <a:schemeClr val="tx1"/>
-          </a:fontRef>
-        </p:style>
-      </p:cxnSp>
       <p:pic>
         <p:nvPicPr>
           <p:cNvPr id="17" name="Picture 16"/>
@@ -7679,66 +7253,6 @@
           </p:spPr>
         </p:pic>
       </p:grpSp>
-      <p:cxnSp>
-        <p:nvCxnSpPr>
-          <p:cNvPr id="20" name="Straight Connector 19"/>
-          <p:cNvCxnSpPr/>
-          <p:nvPr/>
-        </p:nvCxnSpPr>
-        <p:spPr>
-          <a:xfrm>
-            <a:off x="2183327" y="9129832"/>
-            <a:ext cx="4267200" cy="0"/>
-          </a:xfrm>
-          <a:prstGeom prst="line">
-            <a:avLst/>
-          </a:prstGeom>
-        </p:spPr>
-        <p:style>
-          <a:lnRef idx="1">
-            <a:schemeClr val="accent1"/>
-          </a:lnRef>
-          <a:fillRef idx="0">
-            <a:schemeClr val="accent1"/>
-          </a:fillRef>
-          <a:effectRef idx="0">
-            <a:schemeClr val="accent1"/>
-          </a:effectRef>
-          <a:fontRef idx="minor">
-            <a:schemeClr val="tx1"/>
-          </a:fontRef>
-        </p:style>
-      </p:cxnSp>
-      <p:cxnSp>
-        <p:nvCxnSpPr>
-          <p:cNvPr id="21" name="Straight Connector 20"/>
-          <p:cNvCxnSpPr/>
-          <p:nvPr/>
-        </p:nvCxnSpPr>
-        <p:spPr>
-          <a:xfrm>
-            <a:off x="2102927" y="7900223"/>
-            <a:ext cx="4267200" cy="0"/>
-          </a:xfrm>
-          <a:prstGeom prst="line">
-            <a:avLst/>
-          </a:prstGeom>
-        </p:spPr>
-        <p:style>
-          <a:lnRef idx="1">
-            <a:schemeClr val="accent1"/>
-          </a:lnRef>
-          <a:fillRef idx="0">
-            <a:schemeClr val="accent1"/>
-          </a:fillRef>
-          <a:effectRef idx="0">
-            <a:schemeClr val="accent1"/>
-          </a:effectRef>
-          <a:fontRef idx="minor">
-            <a:schemeClr val="tx1"/>
-          </a:fontRef>
-        </p:style>
-      </p:cxnSp>
     </p:spTree>
     <p:extLst>
       <p:ext uri="{BB962C8B-B14F-4D97-AF65-F5344CB8AC3E}">
@@ -7776,8 +7290,8 @@
           <a:chExt cx="0" cy="0"/>
         </a:xfrm>
       </p:grpSpPr>
-      <mc:AlternateContent xmlns:mc="http://schemas.openxmlformats.org/markup-compatibility/2006">
-        <mc:Choice xmlns:a14="http://schemas.microsoft.com/office/drawing/2010/main" Requires="a14">
+      <mc:AlternateContent xmlns:mc="http://schemas.openxmlformats.org/markup-compatibility/2006" xmlns:a14="http://schemas.microsoft.com/office/drawing/2010/main">
+        <mc:Choice Requires="a14">
           <p:graphicFrame>
             <p:nvGraphicFramePr>
               <p:cNvPr id="4" name="Table 3"/>
@@ -7977,7 +7491,13 @@
                                   <a:rPr lang="en-US" sz="1100" smtClean="0">
                                     <a:latin typeface="Cambria Math" panose="02040503050406030204" pitchFamily="18" charset="0"/>
                                   </a:rPr>
-                                  <m:t>0%</m:t>
+                                  <m:t>0</m:t>
+                                </m:r>
+                                <m:r>
+                                  <a:rPr lang="en-US" sz="1100" smtClean="0">
+                                    <a:latin typeface="Cambria Math" panose="02040503050406030204" pitchFamily="18" charset="0"/>
+                                  </a:rPr>
+                                  <m:t>%</m:t>
                                 </m:r>
                               </m:oMath>
                             </m:oMathPara>
@@ -8053,7 +7573,13 @@
                                   <a:rPr lang="en-US" sz="1100" i="1" dirty="0" smtClean="0">
                                     <a:latin typeface="Cambria Math" panose="02040503050406030204" pitchFamily="18" charset="0"/>
                                   </a:rPr>
-                                  <m:t>0%</m:t>
+                                  <m:t>0</m:t>
+                                </m:r>
+                                <m:r>
+                                  <a:rPr lang="en-US" sz="1100" i="1" dirty="0" smtClean="0">
+                                    <a:latin typeface="Cambria Math" panose="02040503050406030204" pitchFamily="18" charset="0"/>
+                                  </a:rPr>
+                                  <m:t>%</m:t>
                                 </m:r>
                               </m:oMath>
                             </m:oMathPara>
@@ -8117,7 +7643,7 @@
             </a:graphic>
           </p:graphicFrame>
         </mc:Choice>
-        <mc:Fallback>
+        <mc:Fallback xmlns="">
           <p:graphicFrame>
             <p:nvGraphicFramePr>
               <p:cNvPr id="4" name="Table 3"/>
@@ -8889,8 +8415,8 @@
           <a:chExt cx="0" cy="0"/>
         </a:xfrm>
       </p:grpSpPr>
-      <mc:AlternateContent xmlns:mc="http://schemas.openxmlformats.org/markup-compatibility/2006">
-        <mc:Choice xmlns:a14="http://schemas.microsoft.com/office/drawing/2010/main" Requires="a14">
+      <mc:AlternateContent xmlns:mc="http://schemas.openxmlformats.org/markup-compatibility/2006" xmlns:a14="http://schemas.microsoft.com/office/drawing/2010/main">
+        <mc:Choice Requires="a14">
           <p:graphicFrame>
             <p:nvGraphicFramePr>
               <p:cNvPr id="4" name="Table 3"/>
@@ -9096,7 +8622,13 @@
                                   <a:rPr lang="en-US" sz="1100" smtClean="0">
                                     <a:latin typeface="Cambria Math" panose="02040503050406030204" pitchFamily="18" charset="0"/>
                                   </a:rPr>
-                                  <m:t>0%</m:t>
+                                  <m:t>0</m:t>
+                                </m:r>
+                                <m:r>
+                                  <a:rPr lang="en-US" sz="1100" smtClean="0">
+                                    <a:latin typeface="Cambria Math" panose="02040503050406030204" pitchFamily="18" charset="0"/>
+                                  </a:rPr>
+                                  <m:t>%</m:t>
                                 </m:r>
                               </m:oMath>
                             </m:oMathPara>
@@ -9178,7 +8710,13 @@
                                   <a:rPr lang="en-US" sz="1100" i="1" dirty="0" smtClean="0">
                                     <a:latin typeface="Cambria Math" panose="02040503050406030204" pitchFamily="18" charset="0"/>
                                   </a:rPr>
-                                  <m:t>0%</m:t>
+                                  <m:t>0</m:t>
+                                </m:r>
+                                <m:r>
+                                  <a:rPr lang="en-US" sz="1100" i="1" dirty="0" smtClean="0">
+                                    <a:latin typeface="Cambria Math" panose="02040503050406030204" pitchFamily="18" charset="0"/>
+                                  </a:rPr>
+                                  <m:t>%</m:t>
                                 </m:r>
                               </m:oMath>
                             </m:oMathPara>
@@ -9242,7 +8780,7 @@
             </a:graphic>
           </p:graphicFrame>
         </mc:Choice>
-        <mc:Fallback>
+        <mc:Fallback xmlns="">
           <p:graphicFrame>
             <p:nvGraphicFramePr>
               <p:cNvPr id="4" name="Table 3"/>
@@ -10133,7 +9671,13 @@
                                   <a:rPr lang="en-US" sz="1100" smtClean="0">
                                     <a:latin typeface="Cambria Math" panose="02040503050406030204" pitchFamily="18" charset="0"/>
                                   </a:rPr>
-                                  <m:t>0%</m:t>
+                                  <m:t>0</m:t>
+                                </m:r>
+                                <m:r>
+                                  <a:rPr lang="en-US" sz="1100" smtClean="0">
+                                    <a:latin typeface="Cambria Math" panose="02040503050406030204" pitchFamily="18" charset="0"/>
+                                  </a:rPr>
+                                  <m:t>%</m:t>
                                 </m:r>
                               </m:oMath>
                             </m:oMathPara>
@@ -10209,7 +9753,13 @@
                                   <a:rPr lang="en-US" sz="1100" smtClean="0">
                                     <a:latin typeface="Cambria Math" panose="02040503050406030204" pitchFamily="18" charset="0"/>
                                   </a:rPr>
-                                  <m:t>0%</m:t>
+                                  <m:t>0</m:t>
+                                </m:r>
+                                <m:r>
+                                  <a:rPr lang="en-US" sz="1100" smtClean="0">
+                                    <a:latin typeface="Cambria Math" panose="02040503050406030204" pitchFamily="18" charset="0"/>
+                                  </a:rPr>
+                                  <m:t>%</m:t>
                                 </m:r>
                               </m:oMath>
                             </m:oMathPara>
@@ -10285,7 +9835,13 @@
                                   <a:rPr lang="en-US" sz="1100" i="1" dirty="0" smtClean="0">
                                     <a:latin typeface="Cambria Math" panose="02040503050406030204" pitchFamily="18" charset="0"/>
                                   </a:rPr>
-                                  <m:t>0%</m:t>
+                                  <m:t>0</m:t>
+                                </m:r>
+                                <m:r>
+                                  <a:rPr lang="en-US" sz="1100" i="1" dirty="0" smtClean="0">
+                                    <a:latin typeface="Cambria Math" panose="02040503050406030204" pitchFamily="18" charset="0"/>
+                                  </a:rPr>
+                                  <m:t>%</m:t>
                                 </m:r>
                               </m:oMath>
                             </m:oMathPara>
@@ -10774,66 +10330,6 @@
           </a:prstGeom>
         </p:spPr>
       </p:pic>
-      <p:cxnSp>
-        <p:nvCxnSpPr>
-          <p:cNvPr id="15" name="Straight Connector 14"/>
-          <p:cNvCxnSpPr/>
-          <p:nvPr/>
-        </p:nvCxnSpPr>
-        <p:spPr>
-          <a:xfrm>
-            <a:off x="2263504" y="2325549"/>
-            <a:ext cx="4267200" cy="0"/>
-          </a:xfrm>
-          <a:prstGeom prst="line">
-            <a:avLst/>
-          </a:prstGeom>
-        </p:spPr>
-        <p:style>
-          <a:lnRef idx="1">
-            <a:schemeClr val="accent1"/>
-          </a:lnRef>
-          <a:fillRef idx="0">
-            <a:schemeClr val="accent1"/>
-          </a:fillRef>
-          <a:effectRef idx="0">
-            <a:schemeClr val="accent1"/>
-          </a:effectRef>
-          <a:fontRef idx="minor">
-            <a:schemeClr val="tx1"/>
-          </a:fontRef>
-        </p:style>
-      </p:cxnSp>
-      <p:cxnSp>
-        <p:nvCxnSpPr>
-          <p:cNvPr id="16" name="Straight Connector 15"/>
-          <p:cNvCxnSpPr/>
-          <p:nvPr/>
-        </p:nvCxnSpPr>
-        <p:spPr>
-          <a:xfrm>
-            <a:off x="2209259" y="1300039"/>
-            <a:ext cx="4267200" cy="0"/>
-          </a:xfrm>
-          <a:prstGeom prst="line">
-            <a:avLst/>
-          </a:prstGeom>
-        </p:spPr>
-        <p:style>
-          <a:lnRef idx="1">
-            <a:schemeClr val="accent1"/>
-          </a:lnRef>
-          <a:fillRef idx="0">
-            <a:schemeClr val="accent1"/>
-          </a:fillRef>
-          <a:effectRef idx="0">
-            <a:schemeClr val="accent1"/>
-          </a:effectRef>
-          <a:fontRef idx="minor">
-            <a:schemeClr val="tx1"/>
-          </a:fontRef>
-        </p:style>
-      </p:cxnSp>
       <p:pic>
         <p:nvPicPr>
           <p:cNvPr id="8" name="Picture 7"/>
@@ -10886,66 +10382,6 @@
           </a:prstGeom>
         </p:spPr>
       </p:pic>
-      <p:cxnSp>
-        <p:nvCxnSpPr>
-          <p:cNvPr id="20" name="Straight Connector 19"/>
-          <p:cNvCxnSpPr/>
-          <p:nvPr/>
-        </p:nvCxnSpPr>
-        <p:spPr>
-          <a:xfrm>
-            <a:off x="2209259" y="4346581"/>
-            <a:ext cx="4267200" cy="0"/>
-          </a:xfrm>
-          <a:prstGeom prst="line">
-            <a:avLst/>
-          </a:prstGeom>
-        </p:spPr>
-        <p:style>
-          <a:lnRef idx="1">
-            <a:schemeClr val="accent1"/>
-          </a:lnRef>
-          <a:fillRef idx="0">
-            <a:schemeClr val="accent1"/>
-          </a:fillRef>
-          <a:effectRef idx="0">
-            <a:schemeClr val="accent1"/>
-          </a:effectRef>
-          <a:fontRef idx="minor">
-            <a:schemeClr val="tx1"/>
-          </a:fontRef>
-        </p:style>
-      </p:cxnSp>
-      <p:cxnSp>
-        <p:nvCxnSpPr>
-          <p:cNvPr id="21" name="Straight Connector 20"/>
-          <p:cNvCxnSpPr/>
-          <p:nvPr/>
-        </p:nvCxnSpPr>
-        <p:spPr>
-          <a:xfrm>
-            <a:off x="2155428" y="3130571"/>
-            <a:ext cx="4267200" cy="0"/>
-          </a:xfrm>
-          <a:prstGeom prst="line">
-            <a:avLst/>
-          </a:prstGeom>
-        </p:spPr>
-        <p:style>
-          <a:lnRef idx="1">
-            <a:schemeClr val="accent1"/>
-          </a:lnRef>
-          <a:fillRef idx="0">
-            <a:schemeClr val="accent1"/>
-          </a:fillRef>
-          <a:effectRef idx="0">
-            <a:schemeClr val="accent1"/>
-          </a:effectRef>
-          <a:fontRef idx="minor">
-            <a:schemeClr val="tx1"/>
-          </a:fontRef>
-        </p:style>
-      </p:cxnSp>
       <p:pic>
         <p:nvPicPr>
           <p:cNvPr id="11" name="Picture 10"/>
@@ -10998,66 +10434,6 @@
           </a:prstGeom>
         </p:spPr>
       </p:pic>
-      <p:cxnSp>
-        <p:nvCxnSpPr>
-          <p:cNvPr id="23" name="Straight Connector 22"/>
-          <p:cNvCxnSpPr/>
-          <p:nvPr/>
-        </p:nvCxnSpPr>
-        <p:spPr>
-          <a:xfrm>
-            <a:off x="2158242" y="6520545"/>
-            <a:ext cx="4267200" cy="0"/>
-          </a:xfrm>
-          <a:prstGeom prst="line">
-            <a:avLst/>
-          </a:prstGeom>
-        </p:spPr>
-        <p:style>
-          <a:lnRef idx="1">
-            <a:schemeClr val="accent1"/>
-          </a:lnRef>
-          <a:fillRef idx="0">
-            <a:schemeClr val="accent1"/>
-          </a:fillRef>
-          <a:effectRef idx="0">
-            <a:schemeClr val="accent1"/>
-          </a:effectRef>
-          <a:fontRef idx="minor">
-            <a:schemeClr val="tx1"/>
-          </a:fontRef>
-        </p:style>
-      </p:cxnSp>
-      <p:cxnSp>
-        <p:nvCxnSpPr>
-          <p:cNvPr id="24" name="Straight Connector 23"/>
-          <p:cNvCxnSpPr/>
-          <p:nvPr/>
-        </p:nvCxnSpPr>
-        <p:spPr>
-          <a:xfrm>
-            <a:off x="2104411" y="5583935"/>
-            <a:ext cx="4267200" cy="0"/>
-          </a:xfrm>
-          <a:prstGeom prst="line">
-            <a:avLst/>
-          </a:prstGeom>
-        </p:spPr>
-        <p:style>
-          <a:lnRef idx="1">
-            <a:schemeClr val="accent1"/>
-          </a:lnRef>
-          <a:fillRef idx="0">
-            <a:schemeClr val="accent1"/>
-          </a:fillRef>
-          <a:effectRef idx="0">
-            <a:schemeClr val="accent1"/>
-          </a:effectRef>
-          <a:fontRef idx="minor">
-            <a:schemeClr val="tx1"/>
-          </a:fontRef>
-        </p:style>
-      </p:cxnSp>
     </p:spTree>
     <p:extLst>
       <p:ext uri="{BB962C8B-B14F-4D97-AF65-F5344CB8AC3E}">
@@ -11095,8 +10471,8 @@
           <a:chExt cx="0" cy="0"/>
         </a:xfrm>
       </p:grpSpPr>
-      <mc:AlternateContent xmlns:mc="http://schemas.openxmlformats.org/markup-compatibility/2006">
-        <mc:Choice xmlns:a14="http://schemas.microsoft.com/office/drawing/2010/main" Requires="a14">
+      <mc:AlternateContent xmlns:mc="http://schemas.openxmlformats.org/markup-compatibility/2006" xmlns:a14="http://schemas.microsoft.com/office/drawing/2010/main">
+        <mc:Choice Requires="a14">
           <p:graphicFrame>
             <p:nvGraphicFramePr>
               <p:cNvPr id="4" name="Table 3"/>
@@ -11220,7 +10596,13 @@
                                   <a:rPr lang="en-US" sz="1100" smtClean="0">
                                     <a:latin typeface="Cambria Math" panose="02040503050406030204" pitchFamily="18" charset="0"/>
                                   </a:rPr>
-                                  <m:t>0%</m:t>
+                                  <m:t>0</m:t>
+                                </m:r>
+                                <m:r>
+                                  <a:rPr lang="en-US" sz="1100" smtClean="0">
+                                    <a:latin typeface="Cambria Math" panose="02040503050406030204" pitchFamily="18" charset="0"/>
+                                  </a:rPr>
+                                  <m:t>%</m:t>
                                 </m:r>
                               </m:oMath>
                             </m:oMathPara>
@@ -11302,7 +10684,13 @@
                                   <a:rPr lang="en-US" sz="1100" smtClean="0">
                                     <a:latin typeface="Cambria Math" panose="02040503050406030204" pitchFamily="18" charset="0"/>
                                   </a:rPr>
-                                  <m:t>0%</m:t>
+                                  <m:t>0</m:t>
+                                </m:r>
+                                <m:r>
+                                  <a:rPr lang="en-US" sz="1100" smtClean="0">
+                                    <a:latin typeface="Cambria Math" panose="02040503050406030204" pitchFamily="18" charset="0"/>
+                                  </a:rPr>
+                                  <m:t>%</m:t>
                                 </m:r>
                               </m:oMath>
                             </m:oMathPara>
@@ -11384,7 +10772,13 @@
                                   <a:rPr lang="en-US" sz="1100" i="1" dirty="0" smtClean="0">
                                     <a:latin typeface="Cambria Math" panose="02040503050406030204" pitchFamily="18" charset="0"/>
                                   </a:rPr>
-                                  <m:t>0%</m:t>
+                                  <m:t>0</m:t>
+                                </m:r>
+                                <m:r>
+                                  <a:rPr lang="en-US" sz="1100" i="1" dirty="0" smtClean="0">
+                                    <a:latin typeface="Cambria Math" panose="02040503050406030204" pitchFamily="18" charset="0"/>
+                                  </a:rPr>
+                                  <m:t>%</m:t>
                                 </m:r>
                               </m:oMath>
                             </m:oMathPara>
@@ -11448,7 +10842,7 @@
             </a:graphic>
           </p:graphicFrame>
         </mc:Choice>
-        <mc:Fallback>
+        <mc:Fallback xmlns="">
           <p:graphicFrame>
             <p:nvGraphicFramePr>
               <p:cNvPr id="4" name="Table 3"/>
@@ -11821,186 +11215,191 @@
           </a:p>
         </p:txBody>
       </p:sp>
-      <p:cxnSp>
-        <p:nvCxnSpPr>
-          <p:cNvPr id="15" name="Straight Connector 14"/>
-          <p:cNvCxnSpPr/>
+      <p:pic>
+        <p:nvPicPr>
+          <p:cNvPr id="2" name="Picture 1"/>
+          <p:cNvPicPr>
+            <a:picLocks noChangeAspect="1"/>
+          </p:cNvPicPr>
           <p:nvPr/>
-        </p:nvCxnSpPr>
+        </p:nvPicPr>
+        <p:blipFill rotWithShape="1">
+          <a:blip r:embed="rId3"/>
+          <a:srcRect l="10177" t="27336" r="58781" b="6607"/>
+          <a:stretch/>
+        </p:blipFill>
         <p:spPr>
           <a:xfrm>
-            <a:off x="2263504" y="2325549"/>
-            <a:ext cx="4267200" cy="0"/>
+            <a:off x="1933575" y="985537"/>
+            <a:ext cx="1091930" cy="1787428"/>
           </a:xfrm>
-          <a:prstGeom prst="line">
+          <a:prstGeom prst="rect">
             <a:avLst/>
           </a:prstGeom>
         </p:spPr>
-        <p:style>
-          <a:lnRef idx="1">
-            <a:schemeClr val="accent1"/>
-          </a:lnRef>
-          <a:fillRef idx="0">
-            <a:schemeClr val="accent1"/>
-          </a:fillRef>
-          <a:effectRef idx="0">
-            <a:schemeClr val="accent1"/>
-          </a:effectRef>
-          <a:fontRef idx="minor">
-            <a:schemeClr val="tx1"/>
-          </a:fontRef>
-        </p:style>
-      </p:cxnSp>
-      <p:cxnSp>
-        <p:nvCxnSpPr>
-          <p:cNvPr id="16" name="Straight Connector 15"/>
-          <p:cNvCxnSpPr/>
+      </p:pic>
+      <p:pic>
+        <p:nvPicPr>
+          <p:cNvPr id="3" name="Picture 2"/>
+          <p:cNvPicPr>
+            <a:picLocks noChangeAspect="1"/>
+          </p:cNvPicPr>
           <p:nvPr/>
-        </p:nvCxnSpPr>
+        </p:nvPicPr>
+        <p:blipFill rotWithShape="1">
+          <a:blip r:embed="rId4">
+            <a:extLst>
+              <a:ext uri="{28A0092B-C50C-407E-A947-70E740481C1C}">
+                <a14:useLocalDpi xmlns:a14="http://schemas.microsoft.com/office/drawing/2010/main" val="0"/>
+              </a:ext>
+            </a:extLst>
+          </a:blip>
+          <a:srcRect l="2045" t="2254" r="2862" b="2030"/>
+          <a:stretch/>
+        </p:blipFill>
         <p:spPr>
           <a:xfrm>
-            <a:off x="2209259" y="1300039"/>
-            <a:ext cx="4267200" cy="0"/>
+            <a:off x="4090988" y="1052513"/>
+            <a:ext cx="1423987" cy="1743075"/>
           </a:xfrm>
-          <a:prstGeom prst="line">
+          <a:prstGeom prst="rect">
             <a:avLst/>
           </a:prstGeom>
         </p:spPr>
-        <p:style>
-          <a:lnRef idx="1">
-            <a:schemeClr val="accent1"/>
-          </a:lnRef>
-          <a:fillRef idx="0">
-            <a:schemeClr val="accent1"/>
-          </a:fillRef>
-          <a:effectRef idx="0">
-            <a:schemeClr val="accent1"/>
-          </a:effectRef>
-          <a:fontRef idx="minor">
-            <a:schemeClr val="tx1"/>
-          </a:fontRef>
-        </p:style>
-      </p:cxnSp>
-      <p:cxnSp>
-        <p:nvCxnSpPr>
-          <p:cNvPr id="20" name="Straight Connector 19"/>
-          <p:cNvCxnSpPr/>
+      </p:pic>
+      <p:pic>
+        <p:nvPicPr>
+          <p:cNvPr id="13" name="Picture 12"/>
+          <p:cNvPicPr>
+            <a:picLocks noChangeAspect="1"/>
+          </p:cNvPicPr>
           <p:nvPr/>
-        </p:nvCxnSpPr>
+        </p:nvPicPr>
+        <p:blipFill rotWithShape="1">
+          <a:blip r:embed="rId4">
+            <a:extLst>
+              <a:ext uri="{28A0092B-C50C-407E-A947-70E740481C1C}">
+                <a14:useLocalDpi xmlns:a14="http://schemas.microsoft.com/office/drawing/2010/main" val="0"/>
+              </a:ext>
+            </a:extLst>
+          </a:blip>
+          <a:srcRect l="1804" t="1731" r="74062" b="4120"/>
+          <a:stretch/>
+        </p:blipFill>
         <p:spPr>
           <a:xfrm>
-            <a:off x="2209259" y="4346581"/>
-            <a:ext cx="4267200" cy="0"/>
+            <a:off x="1847849" y="1042988"/>
+            <a:ext cx="361409" cy="1714500"/>
           </a:xfrm>
-          <a:prstGeom prst="line">
+          <a:prstGeom prst="rect">
             <a:avLst/>
           </a:prstGeom>
         </p:spPr>
-        <p:style>
-          <a:lnRef idx="1">
-            <a:schemeClr val="accent1"/>
-          </a:lnRef>
-          <a:fillRef idx="0">
-            <a:schemeClr val="accent1"/>
-          </a:fillRef>
-          <a:effectRef idx="0">
-            <a:schemeClr val="accent1"/>
-          </a:effectRef>
-          <a:fontRef idx="minor">
-            <a:schemeClr val="tx1"/>
-          </a:fontRef>
-        </p:style>
-      </p:cxnSp>
-      <p:cxnSp>
-        <p:nvCxnSpPr>
-          <p:cNvPr id="21" name="Straight Connector 20"/>
-          <p:cNvCxnSpPr/>
+      </p:pic>
+      <p:pic>
+        <p:nvPicPr>
+          <p:cNvPr id="5" name="Picture 4"/>
+          <p:cNvPicPr>
+            <a:picLocks noChangeAspect="1"/>
+          </p:cNvPicPr>
           <p:nvPr/>
-        </p:nvCxnSpPr>
+        </p:nvPicPr>
+        <p:blipFill rotWithShape="1">
+          <a:blip r:embed="rId5"/>
+          <a:srcRect r="58174" b="6633"/>
+          <a:stretch/>
+        </p:blipFill>
         <p:spPr>
           <a:xfrm>
-            <a:off x="2155428" y="3130571"/>
-            <a:ext cx="4267200" cy="0"/>
+            <a:off x="1823290" y="2942936"/>
+            <a:ext cx="1202215" cy="2064350"/>
           </a:xfrm>
-          <a:prstGeom prst="line">
+          <a:prstGeom prst="rect">
             <a:avLst/>
           </a:prstGeom>
         </p:spPr>
-        <p:style>
-          <a:lnRef idx="1">
-            <a:schemeClr val="accent1"/>
-          </a:lnRef>
-          <a:fillRef idx="0">
-            <a:schemeClr val="accent1"/>
-          </a:fillRef>
-          <a:effectRef idx="0">
-            <a:schemeClr val="accent1"/>
-          </a:effectRef>
-          <a:fontRef idx="minor">
-            <a:schemeClr val="tx1"/>
-          </a:fontRef>
-        </p:style>
-      </p:cxnSp>
-      <p:cxnSp>
-        <p:nvCxnSpPr>
-          <p:cNvPr id="23" name="Straight Connector 22"/>
-          <p:cNvCxnSpPr/>
+      </p:pic>
+      <p:pic>
+        <p:nvPicPr>
+          <p:cNvPr id="7" name="Picture 6"/>
+          <p:cNvPicPr>
+            <a:picLocks noChangeAspect="1"/>
+          </p:cNvPicPr>
           <p:nvPr/>
-        </p:nvCxnSpPr>
+        </p:nvPicPr>
+        <p:blipFill rotWithShape="1">
+          <a:blip r:embed="rId6">
+            <a:extLst>
+              <a:ext uri="{28A0092B-C50C-407E-A947-70E740481C1C}">
+                <a14:useLocalDpi xmlns:a14="http://schemas.microsoft.com/office/drawing/2010/main" val="0"/>
+              </a:ext>
+            </a:extLst>
+          </a:blip>
+          <a:srcRect l="1499" t="1644" r="1293" b="1646"/>
+          <a:stretch/>
+        </p:blipFill>
         <p:spPr>
           <a:xfrm>
-            <a:off x="2158242" y="6520545"/>
-            <a:ext cx="4267200" cy="0"/>
+            <a:off x="4090988" y="2964787"/>
+            <a:ext cx="1638300" cy="1982142"/>
           </a:xfrm>
-          <a:prstGeom prst="line">
+          <a:prstGeom prst="rect">
             <a:avLst/>
           </a:prstGeom>
         </p:spPr>
-        <p:style>
-          <a:lnRef idx="1">
-            <a:schemeClr val="accent1"/>
-          </a:lnRef>
-          <a:fillRef idx="0">
-            <a:schemeClr val="accent1"/>
-          </a:fillRef>
-          <a:effectRef idx="0">
-            <a:schemeClr val="accent1"/>
-          </a:effectRef>
-          <a:fontRef idx="minor">
-            <a:schemeClr val="tx1"/>
-          </a:fontRef>
-        </p:style>
-      </p:cxnSp>
-      <p:cxnSp>
-        <p:nvCxnSpPr>
-          <p:cNvPr id="24" name="Straight Connector 23"/>
-          <p:cNvCxnSpPr/>
+      </p:pic>
+      <p:pic>
+        <p:nvPicPr>
+          <p:cNvPr id="8" name="Picture 7"/>
+          <p:cNvPicPr>
+            <a:picLocks noChangeAspect="1"/>
+          </p:cNvPicPr>
           <p:nvPr/>
-        </p:nvCxnSpPr>
+        </p:nvPicPr>
+        <p:blipFill rotWithShape="1">
+          <a:blip r:embed="rId7">
+            <a:extLst>
+              <a:ext uri="{28A0092B-C50C-407E-A947-70E740481C1C}">
+                <a14:useLocalDpi xmlns:a14="http://schemas.microsoft.com/office/drawing/2010/main" val="0"/>
+              </a:ext>
+            </a:extLst>
+          </a:blip>
+          <a:srcRect l="2209" t="1961" r="2711" b="1884"/>
+          <a:stretch/>
+        </p:blipFill>
         <p:spPr>
           <a:xfrm>
-            <a:off x="2104411" y="5583935"/>
-            <a:ext cx="4267200" cy="0"/>
+            <a:off x="4090988" y="5160578"/>
+            <a:ext cx="1703388" cy="1865616"/>
           </a:xfrm>
-          <a:prstGeom prst="line">
+          <a:prstGeom prst="rect">
             <a:avLst/>
           </a:prstGeom>
         </p:spPr>
-        <p:style>
-          <a:lnRef idx="1">
-            <a:schemeClr val="accent1"/>
-          </a:lnRef>
-          <a:fillRef idx="0">
-            <a:schemeClr val="accent1"/>
-          </a:fillRef>
-          <a:effectRef idx="0">
-            <a:schemeClr val="accent1"/>
-          </a:effectRef>
-          <a:fontRef idx="minor">
-            <a:schemeClr val="tx1"/>
-          </a:fontRef>
-        </p:style>
-      </p:cxnSp>
+      </p:pic>
+      <p:pic>
+        <p:nvPicPr>
+          <p:cNvPr id="9" name="Picture 8"/>
+          <p:cNvPicPr>
+            <a:picLocks noChangeAspect="1"/>
+          </p:cNvPicPr>
+          <p:nvPr/>
+        </p:nvPicPr>
+        <p:blipFill rotWithShape="1">
+          <a:blip r:embed="rId8"/>
+          <a:srcRect l="6909" t="2558" r="51690" b="37056"/>
+          <a:stretch/>
+        </p:blipFill>
+        <p:spPr>
+          <a:xfrm>
+            <a:off x="1749936" y="5101006"/>
+            <a:ext cx="1244600" cy="1984759"/>
+          </a:xfrm>
+          <a:prstGeom prst="rect">
+            <a:avLst/>
+          </a:prstGeom>
+        </p:spPr>
+      </p:pic>
     </p:spTree>
     <p:extLst>
       <p:ext uri="{BB962C8B-B14F-4D97-AF65-F5344CB8AC3E}">
